--- a/Report.pptx
+++ b/Report.pptx
@@ -4467,7 +4467,7 @@
           <a:lstStyle/>
           <a:p>
             <a:pPr algn="ctr"/>
-            <a:endParaRPr lang="ko-KR" altLang="en-US">
+            <a:endParaRPr lang="ko-KR" altLang="en-US" dirty="0">
               <a:solidFill>
                 <a:schemeClr val="accent1"/>
               </a:solidFill>
@@ -4505,32 +4505,11 @@
           <a:p>
             <a:r>
               <a:rPr lang="ko-KR" altLang="en-US" sz="1600" dirty="0">
-                <a:solidFill>
-                  <a:schemeClr val="bg2">
-                    <a:lumMod val="90000"/>
-                  </a:schemeClr>
-                </a:solidFill>
-                <a:latin typeface="+mn-ea"/>
-              </a:rPr>
-              <a:t>여기에 아이디어를 자유롭게 작성해보세요</a:t>
-            </a:r>
-            <a:r>
-              <a:rPr lang="en-US" altLang="ko-KR" sz="1600" dirty="0">
-                <a:solidFill>
-                  <a:schemeClr val="bg2">
-                    <a:lumMod val="90000"/>
-                  </a:schemeClr>
-                </a:solidFill>
-                <a:latin typeface="+mn-ea"/>
-              </a:rPr>
-              <a:t>.</a:t>
-            </a:r>
-            <a:endParaRPr lang="ko-KR" altLang="en-US" sz="1600" dirty="0">
-              <a:solidFill>
-                <a:schemeClr val="bg2">
-                  <a:lumMod val="90000"/>
-                </a:schemeClr>
-              </a:solidFill>
+                <a:latin typeface="+mn-ea"/>
+              </a:rPr>
+              <a:t>인식된 동물이 무엇인지 알려주기</a:t>
+            </a:r>
+            <a:endParaRPr lang="en-US" altLang="ko-KR" sz="1600" dirty="0">
               <a:latin typeface="+mn-ea"/>
             </a:endParaRPr>
           </a:p>
@@ -4659,18 +4638,9 @@
           </a:bodyPr>
           <a:lstStyle/>
           <a:p>
-            <a:r>
-              <a:rPr lang="en-US" altLang="ko-KR" sz="1600" dirty="0">
-                <a:solidFill>
-                  <a:schemeClr val="tx1">
-                    <a:lumMod val="85000"/>
-                    <a:lumOff val="15000"/>
-                  </a:schemeClr>
-                </a:solidFill>
-                <a:latin typeface="+mn-ea"/>
-              </a:rPr>
-              <a:t>1. </a:t>
-            </a:r>
+            <a:pPr marL="342900" indent="-342900">
+              <a:buAutoNum type="arabicPeriod"/>
+            </a:pPr>
             <a:r>
               <a:rPr lang="ko-KR" altLang="en-US" sz="1600" dirty="0">
                 <a:solidFill>
@@ -4706,7 +4676,57 @@
                 <a:latin typeface="+mn-ea"/>
               </a:rPr>
             </a:br>
-            <a:br>
+            <a:r>
+              <a:rPr lang="ko-KR" altLang="en-US" sz="1600" dirty="0">
+                <a:solidFill>
+                  <a:schemeClr val="tx1">
+                    <a:lumMod val="85000"/>
+                    <a:lumOff val="15000"/>
+                  </a:schemeClr>
+                </a:solidFill>
+                <a:latin typeface="+mn-ea"/>
+              </a:rPr>
+              <a:t>동물 </a:t>
+            </a:r>
+            <a:r>
+              <a:rPr lang="ko-KR" altLang="en-US" sz="1600" dirty="0" err="1">
+                <a:solidFill>
+                  <a:schemeClr val="tx1">
+                    <a:lumMod val="85000"/>
+                    <a:lumOff val="15000"/>
+                  </a:schemeClr>
+                </a:solidFill>
+                <a:latin typeface="+mn-ea"/>
+              </a:rPr>
+              <a:t>판별기</a:t>
+            </a:r>
+            <a:endParaRPr lang="en-US" altLang="ko-KR" sz="1600" dirty="0">
+              <a:solidFill>
+                <a:schemeClr val="tx1">
+                  <a:lumMod val="85000"/>
+                  <a:lumOff val="15000"/>
+                </a:schemeClr>
+              </a:solidFill>
+              <a:latin typeface="+mn-ea"/>
+            </a:endParaRPr>
+          </a:p>
+          <a:p>
+            <a:pPr marL="342900" indent="-342900">
+              <a:buAutoNum type="arabicPeriod"/>
+            </a:pPr>
+            <a:r>
+              <a:rPr lang="ko-KR" altLang="en-US" sz="1600" dirty="0">
+                <a:solidFill>
+                  <a:schemeClr val="tx1">
+                    <a:lumMod val="85000"/>
+                    <a:lumOff val="15000"/>
+                  </a:schemeClr>
+                </a:solidFill>
+                <a:latin typeface="+mn-ea"/>
+              </a:rPr>
+              <a:t>생성한 모델에 대해서 설명하세요</a:t>
+            </a:r>
+            <a:r>
               <a:rPr lang="en-US" altLang="ko-KR" sz="1600" dirty="0">
                 <a:solidFill>
                   <a:schemeClr val="tx1">
@@ -4716,8 +4736,11 @@
                 </a:solidFill>
                 <a:latin typeface="+mn-ea"/>
               </a:rPr>
-            </a:br>
-            <a:br>
+              <a:t>.</a:t>
+            </a:r>
+          </a:p>
+          <a:p>
+            <a:r>
               <a:rPr lang="en-US" altLang="ko-KR" sz="1600" dirty="0">
                 <a:solidFill>
                   <a:schemeClr val="tx1">
@@ -4727,18 +4750,7 @@
                 </a:solidFill>
                 <a:latin typeface="+mn-ea"/>
               </a:rPr>
-            </a:br>
-            <a:r>
-              <a:rPr lang="en-US" altLang="ko-KR" sz="1600" dirty="0">
-                <a:solidFill>
-                  <a:schemeClr val="tx1">
-                    <a:lumMod val="85000"/>
-                    <a:lumOff val="15000"/>
-                  </a:schemeClr>
-                </a:solidFill>
-                <a:latin typeface="+mn-ea"/>
-              </a:rPr>
-              <a:t>2. </a:t>
+              <a:t>     </a:t>
             </a:r>
             <a:r>
               <a:rPr lang="ko-KR" altLang="en-US" sz="1600" dirty="0">
@@ -4750,21 +4762,9 @@
                 </a:solidFill>
                 <a:latin typeface="+mn-ea"/>
               </a:rPr>
-              <a:t>생성한 모델에 대해서 설명하세요</a:t>
-            </a:r>
-            <a:r>
-              <a:rPr lang="en-US" altLang="ko-KR" sz="1600" dirty="0">
-                <a:solidFill>
-                  <a:schemeClr val="tx1">
-                    <a:lumMod val="85000"/>
-                    <a:lumOff val="15000"/>
-                  </a:schemeClr>
-                </a:solidFill>
-                <a:latin typeface="+mn-ea"/>
-              </a:rPr>
-              <a:t>.</a:t>
-            </a:r>
-            <a:endParaRPr lang="ko-KR" altLang="en-US" sz="1600" dirty="0">
+              <a:t>해당동물이 무엇인지 알려준다</a:t>
+            </a:r>
+            <a:endParaRPr lang="en-US" altLang="ko-KR" sz="1600" dirty="0">
               <a:solidFill>
                 <a:schemeClr val="tx1">
                   <a:lumMod val="85000"/>
@@ -4953,37 +4953,23 @@
           <a:p>
             <a:r>
               <a:rPr lang="ko-KR" altLang="en-US" sz="2000" dirty="0">
-                <a:solidFill>
-                  <a:schemeClr val="tx1">
-                    <a:lumMod val="85000"/>
-                    <a:lumOff val="15000"/>
-                  </a:schemeClr>
-                </a:solidFill>
                 <a:latin typeface="+mn-ea"/>
               </a:rPr>
               <a:t>웹 애플리케이션 주소</a:t>
             </a:r>
             <a:r>
               <a:rPr lang="en-US" altLang="ko-KR" sz="2000" dirty="0">
-                <a:solidFill>
-                  <a:schemeClr val="tx1">
-                    <a:lumMod val="85000"/>
-                    <a:lumOff val="15000"/>
-                  </a:schemeClr>
-                </a:solidFill>
-                <a:latin typeface="+mn-ea"/>
-              </a:rPr>
-              <a:t>: https://</a:t>
-            </a:r>
-            <a:endParaRPr lang="ko-KR" altLang="en-US" sz="2000" dirty="0">
-              <a:solidFill>
-                <a:schemeClr val="tx1">
-                  <a:lumMod val="85000"/>
-                  <a:lumOff val="15000"/>
-                </a:schemeClr>
-              </a:solidFill>
-              <a:latin typeface="+mn-ea"/>
-            </a:endParaRPr>
+                <a:latin typeface="+mn-ea"/>
+              </a:rPr>
+              <a:t>: </a:t>
+            </a:r>
+            <a:r>
+              <a:rPr lang="en-US" altLang="ko-KR" sz="2000" b="0" dirty="0">
+                <a:effectLst/>
+                <a:latin typeface="Consolas" panose="020B0609020204030204" pitchFamily="49" charset="0"/>
+              </a:rPr>
+              <a:t>https://danto7632.github.io/template/</a:t>
+            </a:r>
           </a:p>
         </p:txBody>
       </p:sp>
